--- a/mPOS Mobile Point Of Sale.pptx
+++ b/mPOS Mobile Point Of Sale.pptx
@@ -2975,7 +2975,20 @@
             </a:pPr>
             <a:r>
               <a:rPr lang="en-GB" altLang="en-US" sz="2000"/>
-              <a:t>Mobile Point Of Sale enabled users to make mobile payments for services from a Merchant.</a:t>
+              <a:t>mPOS Card-reader alongside mPOS application installed on the Merchants mobile phone enables merchants to receive payments for services from customers anywhere anytime.</a:t>
+            </a:r>
+            <a:endParaRPr lang="en-GB" altLang="en-US" sz="2000"/>
+          </a:p>
+          <a:p>
+            <a:pPr marL="0" indent="0">
+              <a:lnSpc>
+                <a:spcPct val="100000"/>
+              </a:lnSpc>
+              <a:buNone/>
+            </a:pPr>
+            <a:r>
+              <a:rPr lang="en-GB" altLang="en-US" sz="2000"/>
+              <a:t>Merchants could be plumber as a one man organization or a restaurant or a bed and breakfast</a:t>
             </a:r>
             <a:endParaRPr lang="en-GB" altLang="en-US" sz="2000"/>
           </a:p>
@@ -3017,23 +3030,10 @@
               <a:buNone/>
             </a:pPr>
             <a:r>
-              <a:rPr lang="en-GB" altLang="en-US" sz="2000" b="1">
-                <a:solidFill>
-                  <a:srgbClr val="00B050"/>
-                </a:solidFill>
-                <a:sym typeface="+mn-ea"/>
-              </a:rPr>
-              <a:t>My involvement:</a:t>
-            </a:r>
-            <a:r>
-              <a:rPr lang="en-GB" altLang="en-US" sz="2000">
-                <a:sym typeface="+mn-ea"/>
-              </a:rPr>
-              <a:t> Elaborate requirements as User Stories and Acceptance Criteria</a:t>
-            </a:r>
-            <a:endParaRPr lang="en-GB" altLang="en-US" sz="2000">
-              <a:sym typeface="+mn-ea"/>
-            </a:endParaRPr>
+              <a:rPr lang="en-GB" altLang="en-US" sz="2000"/>
+              <a:t>Mobile Point Of Sale was one of the products of the Pay Portfolio of Montise Enterprise Platform.</a:t>
+            </a:r>
+            <a:endParaRPr lang="en-GB" altLang="en-US" sz="2000"/>
           </a:p>
           <a:p>
             <a:pPr marL="0" indent="0">
@@ -3042,6 +3042,10 @@
               </a:lnSpc>
               <a:buNone/>
             </a:pPr>
+            <a:r>
+              <a:rPr lang="en-GB" altLang="en-US" sz="2000"/>
+              <a:t>Monitise mPOS device and mPOS application installed on Merchant's phone is connected through blue tooth technologies.</a:t>
+            </a:r>
             <a:endParaRPr lang="en-GB" altLang="en-US" sz="2000"/>
           </a:p>
           <a:p>
@@ -3053,8 +3057,52 @@
             </a:pPr>
             <a:r>
               <a:rPr lang="en-GB" altLang="en-US" sz="2000"/>
-              <a:t>mPOS device belongs to the Merchant. Once the users make mobile payments for the services, the mPOS device inturn connects to the payment gateway and confirms the mobile payment has gone through fine.</a:t>
-            </a:r>
+              <a:t>Transact by inserting or swiping customers card in to the mPOS Card-reader and wait for the Bank to authorize the transaction.</a:t>
+            </a:r>
+            <a:endParaRPr lang="en-GB" altLang="en-US" sz="2000"/>
+          </a:p>
+          <a:p>
+            <a:pPr marL="0" indent="0">
+              <a:lnSpc>
+                <a:spcPct val="100000"/>
+              </a:lnSpc>
+              <a:buNone/>
+            </a:pPr>
+            <a:r>
+              <a:rPr lang="en-GB" altLang="en-US" sz="2000"/>
+              <a:t>The Merchant shall take the customers mobile phone number or Email address.</a:t>
+            </a:r>
+            <a:endParaRPr lang="en-GB" altLang="en-US" sz="2000"/>
+          </a:p>
+          <a:p>
+            <a:pPr marL="0" indent="0">
+              <a:lnSpc>
+                <a:spcPct val="100000"/>
+              </a:lnSpc>
+              <a:buNone/>
+            </a:pPr>
+            <a:r>
+              <a:rPr lang="en-GB" altLang="en-US" sz="2000"/>
+              <a:t>Once the sale is approved, the customer shall receive a SMS or Email receipt.</a:t>
+            </a:r>
+            <a:endParaRPr lang="en-GB" altLang="en-US" sz="2000"/>
+          </a:p>
+          <a:p>
+            <a:pPr marL="0" indent="0">
+              <a:lnSpc>
+                <a:spcPct val="100000"/>
+              </a:lnSpc>
+              <a:buNone/>
+            </a:pPr>
+            <a:endParaRPr lang="en-GB" altLang="en-US" sz="2000"/>
+          </a:p>
+          <a:p>
+            <a:pPr marL="0" indent="0">
+              <a:lnSpc>
+                <a:spcPct val="100000"/>
+              </a:lnSpc>
+              <a:buNone/>
+            </a:pPr>
             <a:endParaRPr lang="en-GB" altLang="en-US" sz="2000"/>
           </a:p>
         </p:txBody>

--- a/mPOS Mobile Point Of Sale.pptx
+++ b/mPOS Mobile Point Of Sale.pptx
@@ -4,6 +4,9 @@
   <p:sldMasterIdLst>
     <p:sldMasterId id="2147483648" r:id="rId1"/>
   </p:sldMasterIdLst>
+  <p:notesMasterIdLst>
+    <p:notesMasterId r:id="rId4"/>
+  </p:notesMasterIdLst>
   <p:sldIdLst>
     <p:sldId id="257" r:id="rId3"/>
   </p:sldIdLst>
@@ -107,6 +110,353 @@
 </p:presentation>
 </file>
 
+<file path=ppt/notesMasters/notesMaster1.xml><?xml version="1.0" encoding="utf-8"?>
+<p:notesMaster xmlns:a="http://schemas.openxmlformats.org/drawingml/2006/main" xmlns:r="http://schemas.openxmlformats.org/officeDocument/2006/relationships" xmlns:p="http://schemas.openxmlformats.org/presentationml/2006/main">
+  <p:cSld>
+    <p:bg>
+      <p:bgRef idx="1001">
+        <a:schemeClr val="bg1"/>
+      </p:bgRef>
+    </p:bg>
+    <p:spTree>
+      <p:nvGrpSpPr>
+        <p:cNvPr id="1" name=""/>
+        <p:cNvGrpSpPr/>
+        <p:nvPr/>
+      </p:nvGrpSpPr>
+      <p:grpSpPr>
+        <a:xfrm>
+          <a:off x="0" y="0"/>
+          <a:ext cx="0" cy="0"/>
+          <a:chOff x="0" y="0"/>
+          <a:chExt cx="0" cy="0"/>
+        </a:xfrm>
+      </p:grpSpPr>
+      <p:sp>
+        <p:nvSpPr>
+          <p:cNvPr id="2" name="Header Placeholder 1"/>
+          <p:cNvSpPr>
+            <a:spLocks noGrp="1"/>
+          </p:cNvSpPr>
+          <p:nvPr>
+            <p:ph type="hdr" sz="quarter"/>
+          </p:nvPr>
+        </p:nvSpPr>
+        <p:spPr>
+          <a:xfrm>
+            <a:off x="0" y="0"/>
+            <a:ext cx="2971800" cy="458788"/>
+          </a:xfrm>
+          <a:prstGeom prst="rect">
+            <a:avLst/>
+          </a:prstGeom>
+        </p:spPr>
+        <p:txBody>
+          <a:bodyPr vert="horz" lIns="91440" tIns="45720" rIns="91440" bIns="45720" rtlCol="0"/>
+          <a:lstStyle>
+            <a:lvl1pPr algn="l">
+              <a:defRPr sz="1200"/>
+            </a:lvl1pPr>
+          </a:lstStyle>
+          <a:p>
+            <a:endParaRPr lang="en-US"/>
+          </a:p>
+        </p:txBody>
+      </p:sp>
+      <p:sp>
+        <p:nvSpPr>
+          <p:cNvPr id="3" name="Date Placeholder 2"/>
+          <p:cNvSpPr>
+            <a:spLocks noGrp="1"/>
+          </p:cNvSpPr>
+          <p:nvPr>
+            <p:ph type="dt" idx="1"/>
+          </p:nvPr>
+        </p:nvSpPr>
+        <p:spPr>
+          <a:xfrm>
+            <a:off x="3884613" y="0"/>
+            <a:ext cx="2971800" cy="458788"/>
+          </a:xfrm>
+          <a:prstGeom prst="rect">
+            <a:avLst/>
+          </a:prstGeom>
+        </p:spPr>
+        <p:txBody>
+          <a:bodyPr vert="horz" lIns="91440" tIns="45720" rIns="91440" bIns="45720" rtlCol="0"/>
+          <a:lstStyle>
+            <a:lvl1pPr algn="r">
+              <a:defRPr sz="1200"/>
+            </a:lvl1pPr>
+          </a:lstStyle>
+          <a:p>
+            <a:fld id="{3EFD42F7-718C-4B98-AAEC-167E6DDD60A7}" type="datetimeFigureOut">
+              <a:rPr lang="en-US" smtClean="0"/>
+            </a:fld>
+            <a:endParaRPr lang="en-US"/>
+          </a:p>
+        </p:txBody>
+      </p:sp>
+      <p:sp>
+        <p:nvSpPr>
+          <p:cNvPr id="4" name="Slide Image Placeholder 3"/>
+          <p:cNvSpPr>
+            <a:spLocks noGrp="1" noRot="1" noChangeAspect="1"/>
+          </p:cNvSpPr>
+          <p:nvPr>
+            <p:ph type="sldImg" idx="2"/>
+          </p:nvPr>
+        </p:nvSpPr>
+        <p:spPr>
+          <a:xfrm>
+            <a:off x="685800" y="1143000"/>
+            <a:ext cx="5486400" cy="3086100"/>
+          </a:xfrm>
+          <a:prstGeom prst="rect">
+            <a:avLst/>
+          </a:prstGeom>
+          <a:noFill/>
+          <a:ln w="12700">
+            <a:solidFill>
+              <a:prstClr val="black"/>
+            </a:solidFill>
+          </a:ln>
+        </p:spPr>
+        <p:txBody>
+          <a:bodyPr vert="horz" lIns="91440" tIns="45720" rIns="91440" bIns="45720" rtlCol="0" anchor="ctr"/>
+          <a:lstStyle/>
+          <a:p>
+            <a:endParaRPr lang="en-US"/>
+          </a:p>
+        </p:txBody>
+      </p:sp>
+      <p:sp>
+        <p:nvSpPr>
+          <p:cNvPr id="5" name="Notes Placeholder 4"/>
+          <p:cNvSpPr>
+            <a:spLocks noGrp="1"/>
+          </p:cNvSpPr>
+          <p:nvPr>
+            <p:ph type="body" sz="quarter" idx="3"/>
+          </p:nvPr>
+        </p:nvSpPr>
+        <p:spPr>
+          <a:xfrm>
+            <a:off x="685800" y="4400550"/>
+            <a:ext cx="5486400" cy="3600450"/>
+          </a:xfrm>
+          <a:prstGeom prst="rect">
+            <a:avLst/>
+          </a:prstGeom>
+        </p:spPr>
+        <p:txBody>
+          <a:bodyPr vert="horz" lIns="91440" tIns="45720" rIns="91440" bIns="45720" rtlCol="0"/>
+          <a:lstStyle/>
+          <a:p>
+            <a:pPr lvl="0"/>
+            <a:r>
+              <a:rPr lang="en-US" smtClean="0"/>
+              <a:t>Click to edit Master text styles</a:t>
+            </a:r>
+            <a:endParaRPr lang="en-US" smtClean="0"/>
+          </a:p>
+          <a:p>
+            <a:pPr lvl="1"/>
+            <a:r>
+              <a:rPr lang="en-US" smtClean="0"/>
+              <a:t>Second level</a:t>
+            </a:r>
+            <a:endParaRPr lang="en-US" smtClean="0"/>
+          </a:p>
+          <a:p>
+            <a:pPr lvl="2"/>
+            <a:r>
+              <a:rPr lang="en-US" smtClean="0"/>
+              <a:t>Third level</a:t>
+            </a:r>
+            <a:endParaRPr lang="en-US" smtClean="0"/>
+          </a:p>
+          <a:p>
+            <a:pPr lvl="3"/>
+            <a:r>
+              <a:rPr lang="en-US" smtClean="0"/>
+              <a:t>Fourth level</a:t>
+            </a:r>
+            <a:endParaRPr lang="en-US" smtClean="0"/>
+          </a:p>
+          <a:p>
+            <a:pPr lvl="4"/>
+            <a:r>
+              <a:rPr lang="en-US" smtClean="0"/>
+              <a:t>Fifth level</a:t>
+            </a:r>
+            <a:endParaRPr lang="en-US"/>
+          </a:p>
+        </p:txBody>
+      </p:sp>
+      <p:sp>
+        <p:nvSpPr>
+          <p:cNvPr id="6" name="Footer Placeholder 5"/>
+          <p:cNvSpPr>
+            <a:spLocks noGrp="1"/>
+          </p:cNvSpPr>
+          <p:nvPr>
+            <p:ph type="ftr" sz="quarter" idx="4"/>
+          </p:nvPr>
+        </p:nvSpPr>
+        <p:spPr>
+          <a:xfrm>
+            <a:off x="0" y="8685213"/>
+            <a:ext cx="2971800" cy="458787"/>
+          </a:xfrm>
+          <a:prstGeom prst="rect">
+            <a:avLst/>
+          </a:prstGeom>
+        </p:spPr>
+        <p:txBody>
+          <a:bodyPr vert="horz" lIns="91440" tIns="45720" rIns="91440" bIns="45720" rtlCol="0" anchor="b"/>
+          <a:lstStyle>
+            <a:lvl1pPr algn="l">
+              <a:defRPr sz="1200"/>
+            </a:lvl1pPr>
+          </a:lstStyle>
+          <a:p>
+            <a:endParaRPr lang="en-US"/>
+          </a:p>
+        </p:txBody>
+      </p:sp>
+      <p:sp>
+        <p:nvSpPr>
+          <p:cNvPr id="7" name="Slide Number Placeholder 6"/>
+          <p:cNvSpPr>
+            <a:spLocks noGrp="1"/>
+          </p:cNvSpPr>
+          <p:nvPr>
+            <p:ph type="sldNum" sz="quarter" idx="5"/>
+          </p:nvPr>
+        </p:nvSpPr>
+        <p:spPr>
+          <a:xfrm>
+            <a:off x="3884613" y="8685213"/>
+            <a:ext cx="2971800" cy="458787"/>
+          </a:xfrm>
+          <a:prstGeom prst="rect">
+            <a:avLst/>
+          </a:prstGeom>
+        </p:spPr>
+        <p:txBody>
+          <a:bodyPr vert="horz" lIns="91440" tIns="45720" rIns="91440" bIns="45720" rtlCol="0" anchor="b"/>
+          <a:lstStyle>
+            <a:lvl1pPr algn="r">
+              <a:defRPr sz="1200"/>
+            </a:lvl1pPr>
+          </a:lstStyle>
+          <a:p>
+            <a:fld id="{21B2AA4F-B828-4D7C-AFD3-893933DAFCB4}" type="slidenum">
+              <a:rPr lang="en-US" smtClean="0"/>
+            </a:fld>
+            <a:endParaRPr lang="en-US"/>
+          </a:p>
+        </p:txBody>
+      </p:sp>
+    </p:spTree>
+  </p:cSld>
+  <p:clrMap bg1="lt1" tx1="dk1" bg2="lt2" tx2="dk2" accent1="accent1" accent2="accent2" accent3="accent3" accent4="accent4" accent5="accent5" accent6="accent6" hlink="hlink" folHlink="folHlink"/>
+  <p:notesStyle>
+    <a:lvl1pPr marL="0" algn="l" defTabSz="914400" rtl="0" eaLnBrk="1" latinLnBrk="0" hangingPunct="1">
+      <a:defRPr sz="1200" kern="1200">
+        <a:solidFill>
+          <a:schemeClr val="tx1"/>
+        </a:solidFill>
+        <a:latin typeface="+mn-lt"/>
+        <a:ea typeface="+mn-ea"/>
+        <a:cs typeface="+mn-cs"/>
+      </a:defRPr>
+    </a:lvl1pPr>
+    <a:lvl2pPr marL="457200" algn="l" defTabSz="914400" rtl="0" eaLnBrk="1" latinLnBrk="0" hangingPunct="1">
+      <a:defRPr sz="1200" kern="1200">
+        <a:solidFill>
+          <a:schemeClr val="tx1"/>
+        </a:solidFill>
+        <a:latin typeface="+mn-lt"/>
+        <a:ea typeface="+mn-ea"/>
+        <a:cs typeface="+mn-cs"/>
+      </a:defRPr>
+    </a:lvl2pPr>
+    <a:lvl3pPr marL="914400" algn="l" defTabSz="914400" rtl="0" eaLnBrk="1" latinLnBrk="0" hangingPunct="1">
+      <a:defRPr sz="1200" kern="1200">
+        <a:solidFill>
+          <a:schemeClr val="tx1"/>
+        </a:solidFill>
+        <a:latin typeface="+mn-lt"/>
+        <a:ea typeface="+mn-ea"/>
+        <a:cs typeface="+mn-cs"/>
+      </a:defRPr>
+    </a:lvl3pPr>
+    <a:lvl4pPr marL="1371600" algn="l" defTabSz="914400" rtl="0" eaLnBrk="1" latinLnBrk="0" hangingPunct="1">
+      <a:defRPr sz="1200" kern="1200">
+        <a:solidFill>
+          <a:schemeClr val="tx1"/>
+        </a:solidFill>
+        <a:latin typeface="+mn-lt"/>
+        <a:ea typeface="+mn-ea"/>
+        <a:cs typeface="+mn-cs"/>
+      </a:defRPr>
+    </a:lvl4pPr>
+    <a:lvl5pPr marL="1828800" algn="l" defTabSz="914400" rtl="0" eaLnBrk="1" latinLnBrk="0" hangingPunct="1">
+      <a:defRPr sz="1200" kern="1200">
+        <a:solidFill>
+          <a:schemeClr val="tx1"/>
+        </a:solidFill>
+        <a:latin typeface="+mn-lt"/>
+        <a:ea typeface="+mn-ea"/>
+        <a:cs typeface="+mn-cs"/>
+      </a:defRPr>
+    </a:lvl5pPr>
+    <a:lvl6pPr marL="2286000" algn="l" defTabSz="914400" rtl="0" eaLnBrk="1" latinLnBrk="0" hangingPunct="1">
+      <a:defRPr sz="1200" kern="1200">
+        <a:solidFill>
+          <a:schemeClr val="tx1"/>
+        </a:solidFill>
+        <a:latin typeface="+mn-lt"/>
+        <a:ea typeface="+mn-ea"/>
+        <a:cs typeface="+mn-cs"/>
+      </a:defRPr>
+    </a:lvl6pPr>
+    <a:lvl7pPr marL="2743200" algn="l" defTabSz="914400" rtl="0" eaLnBrk="1" latinLnBrk="0" hangingPunct="1">
+      <a:defRPr sz="1200" kern="1200">
+        <a:solidFill>
+          <a:schemeClr val="tx1"/>
+        </a:solidFill>
+        <a:latin typeface="+mn-lt"/>
+        <a:ea typeface="+mn-ea"/>
+        <a:cs typeface="+mn-cs"/>
+      </a:defRPr>
+    </a:lvl7pPr>
+    <a:lvl8pPr marL="3200400" algn="l" defTabSz="914400" rtl="0" eaLnBrk="1" latinLnBrk="0" hangingPunct="1">
+      <a:defRPr sz="1200" kern="1200">
+        <a:solidFill>
+          <a:schemeClr val="tx1"/>
+        </a:solidFill>
+        <a:latin typeface="+mn-lt"/>
+        <a:ea typeface="+mn-ea"/>
+        <a:cs typeface="+mn-cs"/>
+      </a:defRPr>
+    </a:lvl8pPr>
+    <a:lvl9pPr marL="3657600" algn="l" defTabSz="914400" rtl="0" eaLnBrk="1" latinLnBrk="0" hangingPunct="1">
+      <a:defRPr sz="1200" kern="1200">
+        <a:solidFill>
+          <a:schemeClr val="tx1"/>
+        </a:solidFill>
+        <a:latin typeface="+mn-lt"/>
+        <a:ea typeface="+mn-ea"/>
+        <a:cs typeface="+mn-cs"/>
+      </a:defRPr>
+    </a:lvl9pPr>
+  </p:notesStyle>
+</p:notesMaster>
+</file>
+
 <file path=ppt/slideLayouts/slideLayout1.xml><?xml version="1.0" encoding="utf-8"?>
 <p:sldLayout xmlns:a="http://schemas.openxmlformats.org/drawingml/2006/main" xmlns:r="http://schemas.openxmlformats.org/officeDocument/2006/relationships" xmlns:p="http://schemas.openxmlformats.org/presentationml/2006/main" type="title" preserve="1">
   <p:cSld name="Title Slide">
@@ -258,6 +608,10 @@
           <a:bodyPr/>
           <a:lstStyle/>
           <a:p>
+            <a:r>
+              <a:rPr lang="en-US"/>
+              <a:t>Work examples quoted are not an exact replica but extrapolated to adhere to non-disclosure agreements signed with the client although several years ago.</a:t>
+            </a:r>
             <a:endParaRPr lang="en-US"/>
           </a:p>
         </p:txBody>
@@ -289,6 +643,7 @@
   <p:clrMapOvr>
     <a:masterClrMapping/>
   </p:clrMapOvr>
+  <p:hf sldNum="0" hdr="0" dt="0"/>
 </p:sldLayout>
 </file>
 
@@ -425,6 +780,10 @@
           <a:bodyPr/>
           <a:lstStyle/>
           <a:p>
+            <a:r>
+              <a:rPr lang="en-US"/>
+              <a:t>Work examples quoted are not an exact replica but extrapolated to adhere to non-disclosure agreements signed with the client although several years ago.</a:t>
+            </a:r>
             <a:endParaRPr lang="en-US"/>
           </a:p>
         </p:txBody>
@@ -456,6 +815,7 @@
   <p:clrMapOvr>
     <a:masterClrMapping/>
   </p:clrMapOvr>
+  <p:hf sldNum="0" hdr="0" dt="0"/>
 </p:sldLayout>
 </file>
 
@@ -602,6 +962,10 @@
           <a:bodyPr/>
           <a:lstStyle/>
           <a:p>
+            <a:r>
+              <a:rPr lang="en-US"/>
+              <a:t>Work examples quoted are not an exact replica but extrapolated to adhere to non-disclosure agreements signed with the client although several years ago.</a:t>
+            </a:r>
             <a:endParaRPr lang="en-US"/>
           </a:p>
         </p:txBody>
@@ -633,6 +997,7 @@
   <p:clrMapOvr>
     <a:masterClrMapping/>
   </p:clrMapOvr>
+  <p:hf sldNum="0" hdr="0" dt="0"/>
 </p:sldLayout>
 </file>
 
@@ -769,6 +1134,10 @@
           <a:bodyPr/>
           <a:lstStyle/>
           <a:p>
+            <a:r>
+              <a:rPr lang="en-US"/>
+              <a:t>Work examples quoted are not an exact replica but extrapolated to adhere to non-disclosure agreements signed with the client although several years ago.</a:t>
+            </a:r>
             <a:endParaRPr lang="en-US"/>
           </a:p>
         </p:txBody>
@@ -800,6 +1169,7 @@
   <p:clrMapOvr>
     <a:masterClrMapping/>
   </p:clrMapOvr>
+  <p:hf sldNum="0" hdr="0" dt="0"/>
 </p:sldLayout>
 </file>
 
@@ -1008,6 +1378,10 @@
           <a:bodyPr/>
           <a:lstStyle/>
           <a:p>
+            <a:r>
+              <a:rPr lang="en-US"/>
+              <a:t>Work examples quoted are not an exact replica but extrapolated to adhere to non-disclosure agreements signed with the client although several years ago.</a:t>
+            </a:r>
             <a:endParaRPr lang="en-US"/>
           </a:p>
         </p:txBody>
@@ -1039,6 +1413,7 @@
   <p:clrMapOvr>
     <a:masterClrMapping/>
   </p:clrMapOvr>
+  <p:hf sldNum="0" hdr="0" dt="0"/>
 </p:sldLayout>
 </file>
 
@@ -1241,6 +1616,10 @@
           <a:bodyPr/>
           <a:lstStyle/>
           <a:p>
+            <a:r>
+              <a:rPr lang="en-US"/>
+              <a:t>Work examples quoted are not an exact replica but extrapolated to adhere to non-disclosure agreements signed with the client although several years ago.</a:t>
+            </a:r>
             <a:endParaRPr lang="en-US"/>
           </a:p>
         </p:txBody>
@@ -1272,6 +1651,7 @@
   <p:clrMapOvr>
     <a:masterClrMapping/>
   </p:clrMapOvr>
+  <p:hf sldNum="0" hdr="0" dt="0"/>
 </p:sldLayout>
 </file>
 
@@ -1609,6 +1989,10 @@
           <a:bodyPr/>
           <a:lstStyle/>
           <a:p>
+            <a:r>
+              <a:rPr lang="en-US"/>
+              <a:t>Work examples quoted are not an exact replica but extrapolated to adhere to non-disclosure agreements signed with the client although several years ago.</a:t>
+            </a:r>
             <a:endParaRPr lang="en-US"/>
           </a:p>
         </p:txBody>
@@ -1640,6 +2024,7 @@
   <p:clrMapOvr>
     <a:masterClrMapping/>
   </p:clrMapOvr>
+  <p:hf sldNum="0" hdr="0" dt="0"/>
 </p:sldLayout>
 </file>
 
@@ -1720,6 +2105,10 @@
           <a:bodyPr/>
           <a:lstStyle/>
           <a:p>
+            <a:r>
+              <a:rPr lang="en-US"/>
+              <a:t>Work examples quoted are not an exact replica but extrapolated to adhere to non-disclosure agreements signed with the client although several years ago.</a:t>
+            </a:r>
             <a:endParaRPr lang="en-US"/>
           </a:p>
         </p:txBody>
@@ -1751,6 +2140,7 @@
   <p:clrMapOvr>
     <a:masterClrMapping/>
   </p:clrMapOvr>
+  <p:hf sldNum="0" hdr="0" dt="0"/>
 </p:sldLayout>
 </file>
 
@@ -1808,6 +2198,10 @@
           <a:bodyPr/>
           <a:lstStyle/>
           <a:p>
+            <a:r>
+              <a:rPr lang="en-US"/>
+              <a:t>Work examples quoted are not an exact replica but extrapolated to adhere to non-disclosure agreements signed with the client although several years ago.</a:t>
+            </a:r>
             <a:endParaRPr lang="en-US"/>
           </a:p>
         </p:txBody>
@@ -1839,6 +2233,7 @@
   <p:clrMapOvr>
     <a:masterClrMapping/>
   </p:clrMapOvr>
+  <p:hf sldNum="0" hdr="0" dt="0"/>
 </p:sldLayout>
 </file>
 
@@ -2082,6 +2477,10 @@
           <a:bodyPr/>
           <a:lstStyle/>
           <a:p>
+            <a:r>
+              <a:rPr lang="en-US"/>
+              <a:t>Work examples quoted are not an exact replica but extrapolated to adhere to non-disclosure agreements signed with the client although several years ago.</a:t>
+            </a:r>
             <a:endParaRPr lang="en-US"/>
           </a:p>
         </p:txBody>
@@ -2113,6 +2512,7 @@
   <p:clrMapOvr>
     <a:masterClrMapping/>
   </p:clrMapOvr>
+  <p:hf sldNum="0" hdr="0" dt="0"/>
 </p:sldLayout>
 </file>
 
@@ -2328,6 +2728,10 @@
           <a:bodyPr/>
           <a:lstStyle/>
           <a:p>
+            <a:r>
+              <a:rPr lang="en-US"/>
+              <a:t>Work examples quoted are not an exact replica but extrapolated to adhere to non-disclosure agreements signed with the client although several years ago.</a:t>
+            </a:r>
             <a:endParaRPr lang="en-US"/>
           </a:p>
         </p:txBody>
@@ -2359,6 +2763,7 @@
   <p:clrMapOvr>
     <a:masterClrMapping/>
   </p:clrMapOvr>
+  <p:hf sldNum="0" hdr="0" dt="0"/>
 </p:sldLayout>
 </file>
 
@@ -2556,6 +2961,10 @@
             </a:lvl1pPr>
           </a:lstStyle>
           <a:p>
+            <a:r>
+              <a:rPr lang="en-US"/>
+              <a:t>Work examples quoted are not an exact replica but extrapolated to adhere to non-disclosure agreements signed with the client although several years ago.</a:t>
+            </a:r>
             <a:endParaRPr lang="en-US"/>
           </a:p>
         </p:txBody>
@@ -2616,6 +3025,7 @@
     <p:sldLayoutId id="2147483658" r:id="rId10"/>
     <p:sldLayoutId id="2147483659" r:id="rId11"/>
   </p:sldLayoutIdLst>
+  <p:hf sldNum="0" hdr="0" dt="0"/>
   <p:txStyles>
     <p:titleStyle>
       <a:lvl1pPr algn="l" defTabSz="914400" rtl="0" eaLnBrk="1" latinLnBrk="0" hangingPunct="1">
@@ -2964,7 +3374,7 @@
         </p:spPr>
         <p:txBody>
           <a:bodyPr>
-            <a:normAutofit lnSpcReduction="10000"/>
+            <a:normAutofit fontScale="90000" lnSpcReduction="20000"/>
           </a:bodyPr>
           <a:p>
             <a:pPr marL="0" indent="0">
@@ -2986,10 +3396,6 @@
               </a:lnSpc>
               <a:buNone/>
             </a:pPr>
-            <a:r>
-              <a:rPr lang="en-GB" altLang="en-US" sz="2000"/>
-              <a:t>Merchants could be plumber as a one man organization or a restaurant or a bed and breakfast</a:t>
-            </a:r>
             <a:endParaRPr lang="en-GB" altLang="en-US" sz="2000"/>
           </a:p>
           <a:p>
@@ -2999,6 +3405,10 @@
               </a:lnSpc>
               <a:buNone/>
             </a:pPr>
+            <a:r>
+              <a:rPr lang="en-GB" altLang="en-US" sz="2000"/>
+              <a:t>Merchants could be plumber as a one man organization or a restaurant or a bed and breakfast</a:t>
+            </a:r>
             <a:endParaRPr lang="en-GB" altLang="en-US" sz="2000"/>
           </a:p>
           <a:p>
@@ -3008,18 +3418,6 @@
               </a:lnSpc>
               <a:buNone/>
             </a:pPr>
-            <a:r>
-              <a:rPr lang="en-GB" altLang="en-US" sz="2000" b="1">
-                <a:solidFill>
-                  <a:srgbClr val="00B050"/>
-                </a:solidFill>
-              </a:rPr>
-              <a:t>Clients worked for:</a:t>
-            </a:r>
-            <a:r>
-              <a:rPr lang="en-GB" altLang="en-US" sz="2000"/>
-              <a:t> Monitise</a:t>
-            </a:r>
             <a:endParaRPr lang="en-GB" altLang="en-US" sz="2000"/>
           </a:p>
           <a:p>
@@ -3031,7 +3429,7 @@
             </a:pPr>
             <a:r>
               <a:rPr lang="en-GB" altLang="en-US" sz="2000"/>
-              <a:t>Mobile Point Of Sale was one of the products of the Pay Portfolio of Montise Enterprise Platform.</a:t>
+              <a:t>Mobile Point Of Sale was one of the products of the Pay Portfolio of the Enterprise Platform.</a:t>
             </a:r>
             <a:endParaRPr lang="en-GB" altLang="en-US" sz="2000"/>
           </a:p>
@@ -3042,10 +3440,6 @@
               </a:lnSpc>
               <a:buNone/>
             </a:pPr>
-            <a:r>
-              <a:rPr lang="en-GB" altLang="en-US" sz="2000"/>
-              <a:t>Monitise mPOS device and mPOS application installed on Merchant's phone is connected through blue tooth technologies.</a:t>
-            </a:r>
             <a:endParaRPr lang="en-GB" altLang="en-US" sz="2000"/>
           </a:p>
           <a:p>
@@ -3057,7 +3451,7 @@
             </a:pPr>
             <a:r>
               <a:rPr lang="en-GB" altLang="en-US" sz="2000"/>
-              <a:t>Transact by inserting or swiping customers card in to the mPOS Card-reader and wait for the Bank to authorize the transaction.</a:t>
+              <a:t>mPOS device and mPOS application installed on Merchant's phone is connected through blue tooth technologies.</a:t>
             </a:r>
             <a:endParaRPr lang="en-GB" altLang="en-US" sz="2000"/>
           </a:p>
@@ -3068,10 +3462,6 @@
               </a:lnSpc>
               <a:buNone/>
             </a:pPr>
-            <a:r>
-              <a:rPr lang="en-GB" altLang="en-US" sz="2000"/>
-              <a:t>The Merchant shall take the customers mobile phone number or Email address.</a:t>
-            </a:r>
             <a:endParaRPr lang="en-GB" altLang="en-US" sz="2000"/>
           </a:p>
           <a:p>
@@ -3083,7 +3473,7 @@
             </a:pPr>
             <a:r>
               <a:rPr lang="en-GB" altLang="en-US" sz="2000"/>
-              <a:t>Once the sale is approved, the customer shall receive a SMS or Email receipt.</a:t>
+              <a:t>Transact by inserting or swiping customers card in to the mPOS Card-reader and wait for the Bank to authorize the transaction.</a:t>
             </a:r>
             <a:endParaRPr lang="en-GB" altLang="en-US" sz="2000"/>
           </a:p>
@@ -3103,7 +3493,78 @@
               </a:lnSpc>
               <a:buNone/>
             </a:pPr>
+            <a:r>
+              <a:rPr lang="en-GB" altLang="en-US" sz="2000"/>
+              <a:t>The Merchant shall take the customers mobile phone number or Email address.</a:t>
+            </a:r>
             <a:endParaRPr lang="en-GB" altLang="en-US" sz="2000"/>
+          </a:p>
+          <a:p>
+            <a:pPr marL="0" indent="0">
+              <a:lnSpc>
+                <a:spcPct val="100000"/>
+              </a:lnSpc>
+              <a:buNone/>
+            </a:pPr>
+            <a:endParaRPr lang="en-GB" altLang="en-US" sz="2000"/>
+          </a:p>
+          <a:p>
+            <a:pPr marL="0" indent="0">
+              <a:lnSpc>
+                <a:spcPct val="100000"/>
+              </a:lnSpc>
+              <a:buNone/>
+            </a:pPr>
+            <a:r>
+              <a:rPr lang="en-GB" altLang="en-US" sz="2000"/>
+              <a:t>Once the sale is approved, the customer shall receive a SMS or Email receipt.</a:t>
+            </a:r>
+            <a:endParaRPr lang="en-GB" altLang="en-US" sz="2000"/>
+          </a:p>
+          <a:p>
+            <a:pPr marL="0" indent="0">
+              <a:lnSpc>
+                <a:spcPct val="100000"/>
+              </a:lnSpc>
+              <a:buNone/>
+            </a:pPr>
+            <a:endParaRPr lang="en-GB" altLang="en-US" sz="2000"/>
+          </a:p>
+          <a:p>
+            <a:pPr marL="0" indent="0">
+              <a:lnSpc>
+                <a:spcPct val="100000"/>
+              </a:lnSpc>
+              <a:buNone/>
+            </a:pPr>
+            <a:endParaRPr lang="en-GB" altLang="en-US" sz="2000"/>
+          </a:p>
+        </p:txBody>
+      </p:sp>
+      <p:sp>
+        <p:nvSpPr>
+          <p:cNvPr id="4" name="Footer Placeholder 3"/>
+          <p:cNvSpPr>
+            <a:spLocks noGrp="1"/>
+          </p:cNvSpPr>
+          <p:nvPr>
+            <p:ph type="ftr" sz="quarter" idx="11"/>
+          </p:nvPr>
+        </p:nvSpPr>
+        <p:spPr>
+          <a:xfrm>
+            <a:off x="407035" y="6357620"/>
+            <a:ext cx="11565255" cy="365125"/>
+          </a:xfrm>
+        </p:spPr>
+        <p:txBody>
+          <a:bodyPr/>
+          <a:p>
+            <a:r>
+              <a:rPr lang="en-US"/>
+              <a:t>Work examples quoted are not an exact replica but extrapolated to adhere to non-disclosure agreements signed with the client although several years ago.</a:t>
+            </a:r>
+            <a:endParaRPr lang="en-US"/>
           </a:p>
         </p:txBody>
       </p:sp>
@@ -3374,4 +3835,265 @@
     </a:ext>
   </a:extLst>
 </a:theme>
+</file>
+
+<file path=ppt/theme/theme2.xml><?xml version="1.0" encoding="utf-8"?>
+<a:theme xmlns:a="http://schemas.openxmlformats.org/drawingml/2006/main" name="Office Theme">
+  <a:themeElements>
+    <a:clrScheme name="Office">
+      <a:dk1>
+        <a:sysClr val="windowText" lastClr="000000"/>
+      </a:dk1>
+      <a:lt1>
+        <a:sysClr val="window" lastClr="FFFFFF"/>
+      </a:lt1>
+      <a:dk2>
+        <a:srgbClr val="44546A"/>
+      </a:dk2>
+      <a:lt2>
+        <a:srgbClr val="E7E6E6"/>
+      </a:lt2>
+      <a:accent1>
+        <a:srgbClr val="5B9BD5"/>
+      </a:accent1>
+      <a:accent2>
+        <a:srgbClr val="ED7D31"/>
+      </a:accent2>
+      <a:accent3>
+        <a:srgbClr val="A5A5A5"/>
+      </a:accent3>
+      <a:accent4>
+        <a:srgbClr val="FFC000"/>
+      </a:accent4>
+      <a:accent5>
+        <a:srgbClr val="4472C4"/>
+      </a:accent5>
+      <a:accent6>
+        <a:srgbClr val="70AD47"/>
+      </a:accent6>
+      <a:hlink>
+        <a:srgbClr val="0563C1"/>
+      </a:hlink>
+      <a:folHlink>
+        <a:srgbClr val="954F72"/>
+      </a:folHlink>
+    </a:clrScheme>
+    <a:fontScheme name="Office">
+      <a:majorFont>
+        <a:latin typeface="Calibri Light"/>
+        <a:ea typeface=""/>
+        <a:cs typeface=""/>
+        <a:font script="Jpan" typeface="ＭＳ Ｐゴシック"/>
+        <a:font script="Hang" typeface="맑은 고딕"/>
+        <a:font script="Hans" typeface="宋体"/>
+        <a:font script="Hant" typeface="新細明體"/>
+        <a:font script="Arab" typeface="Times New Roman"/>
+        <a:font script="Hebr" typeface="Times New Roman"/>
+        <a:font script="Thai" typeface="Angsana New"/>
+        <a:font script="Ethi" typeface="Nyala"/>
+        <a:font script="Beng" typeface="Vrinda"/>
+        <a:font script="Gujr" typeface="Shruti"/>
+        <a:font script="Khmr" typeface="MoolBoran"/>
+        <a:font script="Knda" typeface="Tunga"/>
+        <a:font script="Guru" typeface="Raavi"/>
+        <a:font script="Cans" typeface="Euphemia"/>
+        <a:font script="Cher" typeface="Plantagenet Cherokee"/>
+        <a:font script="Yiii" typeface="Microsoft Yi Baiti"/>
+        <a:font script="Tibt" typeface="Microsoft Himalaya"/>
+        <a:font script="Thaa" typeface="MV Boli"/>
+        <a:font script="Deva" typeface="Mangal"/>
+        <a:font script="Telu" typeface="Gautami"/>
+        <a:font script="Taml" typeface="Latha"/>
+        <a:font script="Syrc" typeface="Estrangelo Edessa"/>
+        <a:font script="Orya" typeface="Kalinga"/>
+        <a:font script="Mlym" typeface="Kartika"/>
+        <a:font script="Laoo" typeface="DokChampa"/>
+        <a:font script="Sinh" typeface="Iskoola Pota"/>
+        <a:font script="Mong" typeface="Mongolian Baiti"/>
+        <a:font script="Viet" typeface="Times New Roman"/>
+        <a:font script="Uigh" typeface="Microsoft Uighur"/>
+        <a:font script="Geor" typeface="Sylfaen"/>
+      </a:majorFont>
+      <a:minorFont>
+        <a:latin typeface="Calibri"/>
+        <a:ea typeface=""/>
+        <a:cs typeface=""/>
+        <a:font script="Jpan" typeface="ＭＳ Ｐゴシック"/>
+        <a:font script="Hang" typeface="맑은 고딕"/>
+        <a:font script="Hans" typeface="宋体"/>
+        <a:font script="Hant" typeface="新細明體"/>
+        <a:font script="Arab" typeface="Arial"/>
+        <a:font script="Hebr" typeface="Arial"/>
+        <a:font script="Thai" typeface="Cordia New"/>
+        <a:font script="Ethi" typeface="Nyala"/>
+        <a:font script="Beng" typeface="Vrinda"/>
+        <a:font script="Gujr" typeface="Shruti"/>
+        <a:font script="Khmr" typeface="DaunPenh"/>
+        <a:font script="Knda" typeface="Tunga"/>
+        <a:font script="Guru" typeface="Raavi"/>
+        <a:font script="Cans" typeface="Euphemia"/>
+        <a:font script="Cher" typeface="Plantagenet Cherokee"/>
+        <a:font script="Yiii" typeface="Microsoft Yi Baiti"/>
+        <a:font script="Tibt" typeface="Microsoft Himalaya"/>
+        <a:font script="Thaa" typeface="MV Boli"/>
+        <a:font script="Deva" typeface="Mangal"/>
+        <a:font script="Telu" typeface="Gautami"/>
+        <a:font script="Taml" typeface="Latha"/>
+        <a:font script="Syrc" typeface="Estrangelo Edessa"/>
+        <a:font script="Orya" typeface="Kalinga"/>
+        <a:font script="Mlym" typeface="Kartika"/>
+        <a:font script="Laoo" typeface="DokChampa"/>
+        <a:font script="Sinh" typeface="Iskoola Pota"/>
+        <a:font script="Mong" typeface="Mongolian Baiti"/>
+        <a:font script="Viet" typeface="Arial"/>
+        <a:font script="Uigh" typeface="Microsoft Uighur"/>
+        <a:font script="Geor" typeface="Sylfaen"/>
+      </a:minorFont>
+    </a:fontScheme>
+    <a:fmtScheme name="Office">
+      <a:fillStyleLst>
+        <a:solidFill>
+          <a:schemeClr val="phClr"/>
+        </a:solidFill>
+        <a:gradFill rotWithShape="1">
+          <a:gsLst>
+            <a:gs pos="0">
+              <a:schemeClr val="phClr">
+                <a:lumMod val="110000"/>
+                <a:satMod val="105000"/>
+                <a:tint val="67000"/>
+              </a:schemeClr>
+            </a:gs>
+            <a:gs pos="50000">
+              <a:schemeClr val="phClr">
+                <a:lumMod val="105000"/>
+                <a:satMod val="103000"/>
+                <a:tint val="73000"/>
+              </a:schemeClr>
+            </a:gs>
+            <a:gs pos="100000">
+              <a:schemeClr val="phClr">
+                <a:lumMod val="105000"/>
+                <a:satMod val="109000"/>
+                <a:tint val="81000"/>
+              </a:schemeClr>
+            </a:gs>
+          </a:gsLst>
+          <a:lin ang="5400000" scaled="0"/>
+        </a:gradFill>
+        <a:gradFill rotWithShape="1">
+          <a:gsLst>
+            <a:gs pos="0">
+              <a:schemeClr val="phClr">
+                <a:satMod val="103000"/>
+                <a:lumMod val="102000"/>
+                <a:tint val="94000"/>
+              </a:schemeClr>
+            </a:gs>
+            <a:gs pos="50000">
+              <a:schemeClr val="phClr">
+                <a:satMod val="110000"/>
+                <a:lumMod val="100000"/>
+                <a:shade val="100000"/>
+              </a:schemeClr>
+            </a:gs>
+            <a:gs pos="100000">
+              <a:schemeClr val="phClr">
+                <a:lumMod val="99000"/>
+                <a:satMod val="120000"/>
+                <a:shade val="78000"/>
+              </a:schemeClr>
+            </a:gs>
+          </a:gsLst>
+          <a:lin ang="5400000" scaled="0"/>
+        </a:gradFill>
+      </a:fillStyleLst>
+      <a:lnStyleLst>
+        <a:ln w="6350" cap="flat" cmpd="sng" algn="ctr">
+          <a:solidFill>
+            <a:schemeClr val="phClr"/>
+          </a:solidFill>
+          <a:prstDash val="solid"/>
+          <a:miter lim="800000"/>
+        </a:ln>
+        <a:ln w="12700" cap="flat" cmpd="sng" algn="ctr">
+          <a:solidFill>
+            <a:schemeClr val="phClr"/>
+          </a:solidFill>
+          <a:prstDash val="solid"/>
+          <a:miter lim="800000"/>
+        </a:ln>
+        <a:ln w="19050" cap="flat" cmpd="sng" algn="ctr">
+          <a:solidFill>
+            <a:schemeClr val="phClr"/>
+          </a:solidFill>
+          <a:prstDash val="solid"/>
+          <a:miter lim="800000"/>
+        </a:ln>
+      </a:lnStyleLst>
+      <a:effectStyleLst>
+        <a:effectStyle>
+          <a:effectLst/>
+        </a:effectStyle>
+        <a:effectStyle>
+          <a:effectLst/>
+        </a:effectStyle>
+        <a:effectStyle>
+          <a:effectLst>
+            <a:outerShdw blurRad="57150" dist="19050" dir="5400000" algn="ctr" rotWithShape="0">
+              <a:srgbClr val="000000">
+                <a:alpha val="63000"/>
+              </a:srgbClr>
+            </a:outerShdw>
+          </a:effectLst>
+        </a:effectStyle>
+      </a:effectStyleLst>
+      <a:bgFillStyleLst>
+        <a:solidFill>
+          <a:schemeClr val="phClr"/>
+        </a:solidFill>
+        <a:solidFill>
+          <a:schemeClr val="phClr">
+            <a:tint val="95000"/>
+            <a:satMod val="170000"/>
+          </a:schemeClr>
+        </a:solidFill>
+        <a:gradFill rotWithShape="1">
+          <a:gsLst>
+            <a:gs pos="0">
+              <a:schemeClr val="phClr">
+                <a:tint val="93000"/>
+                <a:satMod val="150000"/>
+                <a:shade val="98000"/>
+                <a:lumMod val="102000"/>
+              </a:schemeClr>
+            </a:gs>
+            <a:gs pos="50000">
+              <a:schemeClr val="phClr">
+                <a:tint val="98000"/>
+                <a:satMod val="130000"/>
+                <a:shade val="90000"/>
+                <a:lumMod val="103000"/>
+              </a:schemeClr>
+            </a:gs>
+            <a:gs pos="100000">
+              <a:schemeClr val="phClr">
+                <a:shade val="63000"/>
+                <a:satMod val="120000"/>
+              </a:schemeClr>
+            </a:gs>
+          </a:gsLst>
+          <a:lin ang="5400000" scaled="0"/>
+        </a:gradFill>
+      </a:bgFillStyleLst>
+    </a:fmtScheme>
+  </a:themeElements>
+  <a:objectDefaults/>
+  <a:extraClrSchemeLst/>
+  <a:extLst>
+    <a:ext uri="{05A4C25C-085E-4340-85A3-A5531E510DB2}">
+      <thm15:themeFamily xmlns:thm15="http://schemas.microsoft.com/office/thememl/2012/main" name="Office Theme" id="{62F939B6-93AF-4DB8-9C6B-D6C7DFDC589F}" vid="{4A3C46E8-61CC-4603-A589-7422A47A8E4A}"/>
+    </a:ext>
+  </a:extLst>
+</a:theme>
 </file>